--- a/74為鹽為光.pptx
+++ b/74為鹽為光.pptx
@@ -7,14 +7,14 @@
   <p:sldIdLst>
     <p:sldId id="256" r:id="rId2"/>
     <p:sldId id="257" r:id="rId3"/>
-    <p:sldId id="258" r:id="rId4"/>
-    <p:sldId id="259" r:id="rId5"/>
-    <p:sldId id="261" r:id="rId6"/>
-    <p:sldId id="264" r:id="rId7"/>
-    <p:sldId id="262" r:id="rId8"/>
-    <p:sldId id="263" r:id="rId9"/>
+    <p:sldId id="265" r:id="rId4"/>
+    <p:sldId id="266" r:id="rId5"/>
+    <p:sldId id="267" r:id="rId6"/>
+    <p:sldId id="268" r:id="rId7"/>
+    <p:sldId id="269" r:id="rId8"/>
+    <p:sldId id="270" r:id="rId9"/>
   </p:sldIdLst>
-  <p:sldSz cx="9144000" cy="6858000" type="screen4x3"/>
+  <p:sldSz cx="12192000" cy="6858000"/>
   <p:notesSz cx="6858000" cy="9144000"/>
   <p:defaultTextStyle>
     <a:defPPr>
@@ -111,6 +111,22 @@
       </a:defRPr>
     </a:lvl9pPr>
   </p:defaultTextStyle>
+  <p:extLst>
+    <p:ext uri="{EFAFB233-063F-42B5-8137-9DF3F51BA10A}">
+      <p15:sldGuideLst xmlns:p15="http://schemas.microsoft.com/office/powerpoint/2012/main">
+        <p15:guide id="1" orient="horz" pos="2160" userDrawn="1">
+          <p15:clr>
+            <a:srgbClr val="A4A3A4"/>
+          </p15:clr>
+        </p15:guide>
+        <p15:guide id="2" pos="3840" userDrawn="1">
+          <p15:clr>
+            <a:srgbClr val="A4A3A4"/>
+          </p15:clr>
+        </p15:guide>
+      </p15:sldGuideLst>
+    </p:ext>
+  </p:extLst>
 </p:presentation>
 </file>
 
@@ -148,8 +164,8 @@
         </p:nvSpPr>
         <p:spPr>
           <a:xfrm>
-            <a:off x="2286000" y="3124200"/>
-            <a:ext cx="6172200" cy="1894362"/>
+            <a:off x="3048000" y="3124200"/>
+            <a:ext cx="8229600" cy="1894362"/>
           </a:xfrm>
         </p:spPr>
         <p:txBody>
@@ -180,8 +196,8 @@
         </p:nvSpPr>
         <p:spPr>
           <a:xfrm>
-            <a:off x="2286000" y="5003322"/>
-            <a:ext cx="6172200" cy="1371600"/>
+            <a:off x="3048000" y="5003322"/>
+            <a:ext cx="8229600" cy="1371600"/>
           </a:xfrm>
         </p:spPr>
         <p:txBody>
@@ -241,8 +257,8 @@
         </p:nvSpPr>
         <p:spPr bwMode="auto">
           <a:xfrm rot="5400000">
-            <a:off x="7764621" y="1174097"/>
-            <a:ext cx="2286000" cy="381000"/>
+            <a:off x="10733828" y="1110597"/>
+            <a:ext cx="2286000" cy="508000"/>
           </a:xfrm>
         </p:spPr>
         <p:txBody>
@@ -252,7 +268,7 @@
             <a:fld id="{74BC4726-2204-402F-8651-3DE2807316DF}" type="datetimeFigureOut">
               <a:rPr lang="en-US" smtClean="0"/>
               <a:pPr/>
-              <a:t>7/28/2018</a:t>
+              <a:t>11/23/2019</a:t>
             </a:fld>
             <a:endParaRPr lang="en-US"/>
           </a:p>
@@ -270,8 +286,8 @@
         </p:nvSpPr>
         <p:spPr bwMode="auto">
           <a:xfrm rot="5400000">
-            <a:off x="7077269" y="4181669"/>
-            <a:ext cx="3657600" cy="384048"/>
+            <a:off x="10045959" y="4117661"/>
+            <a:ext cx="3657600" cy="512064"/>
           </a:xfrm>
         </p:spPr>
         <p:txBody>
@@ -290,8 +306,8 @@
         </p:nvSpPr>
         <p:spPr bwMode="auto">
           <a:xfrm>
-            <a:off x="381000" y="0"/>
-            <a:ext cx="609600" cy="6858000"/>
+            <a:off x="508000" y="0"/>
+            <a:ext cx="812800" cy="6858000"/>
           </a:xfrm>
           <a:prstGeom prst="rect">
             <a:avLst/>
@@ -327,7 +343,7 @@
           <a:lstStyle/>
           <a:p>
             <a:pPr algn="ctr" eaLnBrk="1" latinLnBrk="0" hangingPunct="1"/>
-            <a:endParaRPr kumimoji="0" lang="en-US"/>
+            <a:endParaRPr kumimoji="0" lang="en-US" sz="1800"/>
           </a:p>
         </p:txBody>
       </p:sp>
@@ -339,8 +355,8 @@
         </p:nvSpPr>
         <p:spPr bwMode="auto">
           <a:xfrm>
-            <a:off x="276336" y="0"/>
-            <a:ext cx="104664" cy="6858000"/>
+            <a:off x="368448" y="0"/>
+            <a:ext cx="139552" cy="6858000"/>
           </a:xfrm>
           <a:prstGeom prst="rect">
             <a:avLst/>
@@ -376,7 +392,7 @@
           <a:lstStyle/>
           <a:p>
             <a:pPr algn="ctr" eaLnBrk="1" latinLnBrk="0" hangingPunct="1"/>
-            <a:endParaRPr kumimoji="0" lang="en-US"/>
+            <a:endParaRPr kumimoji="0" lang="en-US" sz="1800"/>
           </a:p>
         </p:txBody>
       </p:sp>
@@ -388,8 +404,8 @@
         </p:nvSpPr>
         <p:spPr bwMode="auto">
           <a:xfrm>
-            <a:off x="990600" y="0"/>
-            <a:ext cx="181872" cy="6858000"/>
+            <a:off x="1320800" y="0"/>
+            <a:ext cx="242496" cy="6858000"/>
           </a:xfrm>
           <a:prstGeom prst="rect">
             <a:avLst/>
@@ -425,7 +441,7 @@
           <a:lstStyle/>
           <a:p>
             <a:pPr algn="ctr" eaLnBrk="1" latinLnBrk="0" hangingPunct="1"/>
-            <a:endParaRPr kumimoji="0" lang="en-US"/>
+            <a:endParaRPr kumimoji="0" lang="en-US" sz="1800"/>
           </a:p>
         </p:txBody>
       </p:sp>
@@ -437,8 +453,8 @@
         </p:nvSpPr>
         <p:spPr bwMode="auto">
           <a:xfrm>
-            <a:off x="1141320" y="0"/>
-            <a:ext cx="230280" cy="6858000"/>
+            <a:off x="1521760" y="0"/>
+            <a:ext cx="307040" cy="6858000"/>
           </a:xfrm>
           <a:prstGeom prst="rect">
             <a:avLst/>
@@ -474,7 +490,7 @@
           <a:lstStyle/>
           <a:p>
             <a:pPr algn="ctr" eaLnBrk="1" latinLnBrk="0" hangingPunct="1"/>
-            <a:endParaRPr kumimoji="0" lang="en-US"/>
+            <a:endParaRPr kumimoji="0" lang="en-US" sz="1800"/>
           </a:p>
         </p:txBody>
       </p:sp>
@@ -488,7 +504,7 @@
         </p:nvSpPr>
         <p:spPr bwMode="auto">
           <a:xfrm>
-            <a:off x="106344" y="0"/>
+            <a:off x="141792" y="0"/>
             <a:ext cx="0" cy="6858000"/>
           </a:xfrm>
           <a:prstGeom prst="line">
@@ -513,7 +529,7 @@
           <a:bodyPr vert="horz" wrap="square" lIns="91440" tIns="45720" rIns="91440" bIns="45720" anchor="t" compatLnSpc="1"/>
           <a:lstStyle/>
           <a:p>
-            <a:endParaRPr kumimoji="0" lang="en-US"/>
+            <a:endParaRPr kumimoji="0" lang="en-US" sz="1800"/>
           </a:p>
         </p:txBody>
       </p:sp>
@@ -527,7 +543,7 @@
         </p:nvSpPr>
         <p:spPr bwMode="auto">
           <a:xfrm>
-            <a:off x="914400" y="0"/>
+            <a:off x="1219200" y="0"/>
             <a:ext cx="0" cy="6858000"/>
           </a:xfrm>
           <a:prstGeom prst="line">
@@ -552,7 +568,7 @@
           <a:bodyPr vert="horz" wrap="square" lIns="91440" tIns="45720" rIns="91440" bIns="45720" anchor="t" compatLnSpc="1"/>
           <a:lstStyle/>
           <a:p>
-            <a:endParaRPr kumimoji="0" lang="en-US"/>
+            <a:endParaRPr kumimoji="0" lang="en-US" sz="1800"/>
           </a:p>
         </p:txBody>
       </p:sp>
@@ -566,7 +582,7 @@
         </p:nvSpPr>
         <p:spPr bwMode="auto">
           <a:xfrm>
-            <a:off x="854112" y="0"/>
+            <a:off x="1138816" y="0"/>
             <a:ext cx="0" cy="6858000"/>
           </a:xfrm>
           <a:prstGeom prst="line">
@@ -590,7 +606,7 @@
           <a:bodyPr vert="horz" wrap="square" lIns="91440" tIns="45720" rIns="91440" bIns="45720" anchor="t" compatLnSpc="1"/>
           <a:lstStyle/>
           <a:p>
-            <a:endParaRPr kumimoji="0" lang="en-US"/>
+            <a:endParaRPr kumimoji="0" lang="en-US" sz="1800"/>
           </a:p>
         </p:txBody>
       </p:sp>
@@ -604,7 +620,7 @@
         </p:nvSpPr>
         <p:spPr bwMode="auto">
           <a:xfrm>
-            <a:off x="1726640" y="0"/>
+            <a:off x="2302187" y="0"/>
             <a:ext cx="0" cy="6858000"/>
           </a:xfrm>
           <a:prstGeom prst="line">
@@ -629,7 +645,7 @@
           <a:bodyPr vert="horz" wrap="square" lIns="91440" tIns="45720" rIns="91440" bIns="45720" anchor="t" compatLnSpc="1"/>
           <a:lstStyle/>
           <a:p>
-            <a:endParaRPr kumimoji="0" lang="en-US"/>
+            <a:endParaRPr kumimoji="0" lang="en-US" sz="1800"/>
           </a:p>
         </p:txBody>
       </p:sp>
@@ -643,7 +659,7 @@
         </p:nvSpPr>
         <p:spPr bwMode="auto">
           <a:xfrm>
-            <a:off x="1066800" y="0"/>
+            <a:off x="1422400" y="0"/>
             <a:ext cx="0" cy="6858000"/>
           </a:xfrm>
           <a:prstGeom prst="line">
@@ -667,7 +683,7 @@
           <a:bodyPr vert="horz" wrap="square" lIns="91440" tIns="45720" rIns="91440" bIns="45720" anchor="t" compatLnSpc="1"/>
           <a:lstStyle/>
           <a:p>
-            <a:endParaRPr kumimoji="0" lang="en-US"/>
+            <a:endParaRPr kumimoji="0" lang="en-US" sz="1800"/>
           </a:p>
         </p:txBody>
       </p:sp>
@@ -681,7 +697,7 @@
         </p:nvSpPr>
         <p:spPr bwMode="auto">
           <a:xfrm>
-            <a:off x="9113856" y="0"/>
+            <a:off x="12151808" y="0"/>
             <a:ext cx="0" cy="6858000"/>
           </a:xfrm>
           <a:prstGeom prst="line">
@@ -705,7 +721,7 @@
           <a:bodyPr vert="horz" wrap="square" lIns="91440" tIns="45720" rIns="91440" bIns="45720" anchor="t" compatLnSpc="1"/>
           <a:lstStyle/>
           <a:p>
-            <a:endParaRPr kumimoji="0" lang="en-US"/>
+            <a:endParaRPr kumimoji="0" lang="en-US" sz="1800"/>
           </a:p>
         </p:txBody>
       </p:sp>
@@ -717,8 +733,8 @@
         </p:nvSpPr>
         <p:spPr bwMode="auto">
           <a:xfrm>
-            <a:off x="1219200" y="0"/>
-            <a:ext cx="76200" cy="6858000"/>
+            <a:off x="1625600" y="0"/>
+            <a:ext cx="101600" cy="6858000"/>
           </a:xfrm>
           <a:prstGeom prst="rect">
             <a:avLst/>
@@ -754,7 +770,7 @@
           <a:lstStyle/>
           <a:p>
             <a:pPr algn="ctr" eaLnBrk="1" latinLnBrk="0" hangingPunct="1"/>
-            <a:endParaRPr kumimoji="0" lang="en-US" dirty="0"/>
+            <a:endParaRPr kumimoji="0" lang="en-US" sz="1800" dirty="0"/>
           </a:p>
         </p:txBody>
       </p:sp>
@@ -766,8 +782,8 @@
         </p:nvSpPr>
         <p:spPr bwMode="auto">
           <a:xfrm>
-            <a:off x="609600" y="3429000"/>
-            <a:ext cx="1295400" cy="1295400"/>
+            <a:off x="812800" y="3429000"/>
+            <a:ext cx="1727200" cy="1295400"/>
           </a:xfrm>
           <a:prstGeom prst="ellipse">
             <a:avLst/>
@@ -800,7 +816,7 @@
           <a:lstStyle/>
           <a:p>
             <a:pPr algn="ctr" eaLnBrk="1" latinLnBrk="0" hangingPunct="1"/>
-            <a:endParaRPr kumimoji="0" lang="en-US" dirty="0"/>
+            <a:endParaRPr kumimoji="0" lang="en-US" sz="1800" dirty="0"/>
           </a:p>
         </p:txBody>
       </p:sp>
@@ -812,8 +828,8 @@
         </p:nvSpPr>
         <p:spPr bwMode="auto">
           <a:xfrm>
-            <a:off x="1309632" y="4866752"/>
-            <a:ext cx="641424" cy="641424"/>
+            <a:off x="1746176" y="4866752"/>
+            <a:ext cx="855232" cy="641424"/>
           </a:xfrm>
           <a:prstGeom prst="ellipse">
             <a:avLst/>
@@ -843,7 +859,7 @@
           <a:lstStyle/>
           <a:p>
             <a:pPr algn="ctr" eaLnBrk="1" latinLnBrk="0" hangingPunct="1"/>
-            <a:endParaRPr kumimoji="0" lang="en-US" dirty="0"/>
+            <a:endParaRPr kumimoji="0" lang="en-US" sz="1800" dirty="0"/>
           </a:p>
         </p:txBody>
       </p:sp>
@@ -855,8 +871,8 @@
         </p:nvSpPr>
         <p:spPr bwMode="auto">
           <a:xfrm>
-            <a:off x="1091080" y="5500632"/>
-            <a:ext cx="137160" cy="137160"/>
+            <a:off x="1454773" y="5500632"/>
+            <a:ext cx="182880" cy="137160"/>
           </a:xfrm>
           <a:prstGeom prst="ellipse">
             <a:avLst/>
@@ -886,7 +902,7 @@
           <a:lstStyle/>
           <a:p>
             <a:pPr algn="ctr" eaLnBrk="1" latinLnBrk="0" hangingPunct="1"/>
-            <a:endParaRPr kumimoji="0" lang="en-US" dirty="0"/>
+            <a:endParaRPr kumimoji="0" lang="en-US" sz="1800" dirty="0"/>
           </a:p>
         </p:txBody>
       </p:sp>
@@ -898,8 +914,8 @@
         </p:nvSpPr>
         <p:spPr bwMode="auto">
           <a:xfrm>
-            <a:off x="1664208" y="5788152"/>
-            <a:ext cx="274320" cy="274320"/>
+            <a:off x="2218944" y="5788152"/>
+            <a:ext cx="365760" cy="274320"/>
           </a:xfrm>
           <a:prstGeom prst="ellipse">
             <a:avLst/>
@@ -929,7 +945,7 @@
           <a:lstStyle/>
           <a:p>
             <a:pPr algn="ctr" eaLnBrk="1" latinLnBrk="0" hangingPunct="1"/>
-            <a:endParaRPr kumimoji="0" lang="en-US" dirty="0"/>
+            <a:endParaRPr kumimoji="0" lang="en-US" sz="1800" dirty="0"/>
           </a:p>
         </p:txBody>
       </p:sp>
@@ -941,8 +957,8 @@
         </p:nvSpPr>
         <p:spPr>
           <a:xfrm>
-            <a:off x="1905000" y="4495800"/>
-            <a:ext cx="365760" cy="365760"/>
+            <a:off x="2540000" y="4495800"/>
+            <a:ext cx="487680" cy="365760"/>
           </a:xfrm>
           <a:prstGeom prst="ellipse">
             <a:avLst/>
@@ -972,7 +988,7 @@
           <a:lstStyle/>
           <a:p>
             <a:pPr algn="ctr" eaLnBrk="1" latinLnBrk="0" hangingPunct="1"/>
-            <a:endParaRPr kumimoji="0" lang="en-US" dirty="0"/>
+            <a:endParaRPr kumimoji="0" lang="en-US" sz="1800" dirty="0"/>
           </a:p>
         </p:txBody>
       </p:sp>
@@ -988,8 +1004,8 @@
         </p:nvSpPr>
         <p:spPr bwMode="auto">
           <a:xfrm>
-            <a:off x="1325544" y="4928702"/>
-            <a:ext cx="609600" cy="517524"/>
+            <a:off x="1767392" y="4928702"/>
+            <a:ext cx="812800" cy="517524"/>
           </a:xfrm>
         </p:spPr>
         <p:txBody>
@@ -1123,7 +1139,7 @@
             <a:fld id="{74BC4726-2204-402F-8651-3DE2807316DF}" type="datetimeFigureOut">
               <a:rPr lang="en-US" smtClean="0"/>
               <a:pPr/>
-              <a:t>7/28/2018</a:t>
+              <a:t>11/23/2019</a:t>
             </a:fld>
             <a:endParaRPr lang="en-US"/>
           </a:p>
@@ -1209,8 +1225,8 @@
         </p:nvSpPr>
         <p:spPr>
           <a:xfrm>
-            <a:off x="6629400" y="274639"/>
-            <a:ext cx="1676400" cy="5851525"/>
+            <a:off x="8839200" y="274640"/>
+            <a:ext cx="2235200" cy="5851525"/>
           </a:xfrm>
         </p:spPr>
         <p:txBody>
@@ -1237,8 +1253,8 @@
         </p:nvSpPr>
         <p:spPr>
           <a:xfrm>
-            <a:off x="457200" y="274638"/>
-            <a:ext cx="6019800" cy="5851525"/>
+            <a:off x="609600" y="274639"/>
+            <a:ext cx="8026400" cy="5851525"/>
           </a:xfrm>
         </p:spPr>
         <p:txBody>
@@ -1300,7 +1316,7 @@
             <a:fld id="{74BC4726-2204-402F-8651-3DE2807316DF}" type="datetimeFigureOut">
               <a:rPr lang="en-US" smtClean="0"/>
               <a:pPr/>
-              <a:t>7/28/2018</a:t>
+              <a:t>11/23/2019</a:t>
             </a:fld>
             <a:endParaRPr lang="en-US"/>
           </a:p>
@@ -1409,8 +1425,8 @@
         </p:nvSpPr>
         <p:spPr>
           <a:xfrm>
-            <a:off x="457200" y="1600200"/>
-            <a:ext cx="7467600" cy="4873752"/>
+            <a:off x="609600" y="1600200"/>
+            <a:ext cx="9956800" cy="4873752"/>
           </a:xfrm>
         </p:spPr>
         <p:txBody>
@@ -1472,7 +1488,7 @@
             <a:fld id="{74BC4726-2204-402F-8651-3DE2807316DF}" type="datetimeFigureOut">
               <a:rPr lang="en-US" smtClean="0"/>
               <a:pPr/>
-              <a:t>7/28/2018</a:t>
+              <a:t>11/23/2019</a:t>
             </a:fld>
             <a:endParaRPr lang="en-US"/>
           </a:p>
@@ -1563,8 +1579,8 @@
         </p:nvSpPr>
         <p:spPr>
           <a:xfrm>
-            <a:off x="2286000" y="2895600"/>
-            <a:ext cx="6172200" cy="2053590"/>
+            <a:off x="3048000" y="2895600"/>
+            <a:ext cx="8229600" cy="2053590"/>
           </a:xfrm>
         </p:spPr>
         <p:txBody>
@@ -1596,8 +1612,8 @@
         </p:nvSpPr>
         <p:spPr>
           <a:xfrm>
-            <a:off x="2286000" y="5010150"/>
-            <a:ext cx="6172200" cy="1371600"/>
+            <a:off x="3048000" y="5010150"/>
+            <a:ext cx="8229600" cy="1371600"/>
           </a:xfrm>
         </p:spPr>
         <p:txBody>
@@ -1673,8 +1689,8 @@
         </p:nvSpPr>
         <p:spPr bwMode="auto">
           <a:xfrm rot="5400000">
-            <a:off x="7763256" y="1170432"/>
-            <a:ext cx="2286000" cy="381000"/>
+            <a:off x="10732008" y="1106932"/>
+            <a:ext cx="2286000" cy="508000"/>
           </a:xfrm>
         </p:spPr>
         <p:txBody>
@@ -1684,7 +1700,7 @@
             <a:fld id="{74BC4726-2204-402F-8651-3DE2807316DF}" type="datetimeFigureOut">
               <a:rPr lang="en-US" smtClean="0"/>
               <a:pPr/>
-              <a:t>7/28/2018</a:t>
+              <a:t>11/23/2019</a:t>
             </a:fld>
             <a:endParaRPr lang="en-US"/>
           </a:p>
@@ -1702,8 +1718,8 @@
         </p:nvSpPr>
         <p:spPr bwMode="auto">
           <a:xfrm rot="5400000">
-            <a:off x="7077456" y="4178808"/>
-            <a:ext cx="3657600" cy="384048"/>
+            <a:off x="10046208" y="4114800"/>
+            <a:ext cx="3657600" cy="512064"/>
           </a:xfrm>
         </p:spPr>
         <p:txBody>
@@ -1722,8 +1738,8 @@
         </p:nvSpPr>
         <p:spPr bwMode="auto">
           <a:xfrm>
-            <a:off x="381000" y="0"/>
-            <a:ext cx="609600" cy="6858000"/>
+            <a:off x="508000" y="0"/>
+            <a:ext cx="812800" cy="6858000"/>
           </a:xfrm>
           <a:prstGeom prst="rect">
             <a:avLst/>
@@ -1759,7 +1775,7 @@
           <a:lstStyle/>
           <a:p>
             <a:pPr algn="ctr" eaLnBrk="1" latinLnBrk="0" hangingPunct="1"/>
-            <a:endParaRPr kumimoji="0" lang="en-US"/>
+            <a:endParaRPr kumimoji="0" lang="en-US" sz="1800"/>
           </a:p>
         </p:txBody>
       </p:sp>
@@ -1771,8 +1787,8 @@
         </p:nvSpPr>
         <p:spPr bwMode="auto">
           <a:xfrm>
-            <a:off x="276336" y="0"/>
-            <a:ext cx="104664" cy="6858000"/>
+            <a:off x="368448" y="0"/>
+            <a:ext cx="139552" cy="6858000"/>
           </a:xfrm>
           <a:prstGeom prst="rect">
             <a:avLst/>
@@ -1808,7 +1824,7 @@
           <a:lstStyle/>
           <a:p>
             <a:pPr algn="ctr" eaLnBrk="1" latinLnBrk="0" hangingPunct="1"/>
-            <a:endParaRPr kumimoji="0" lang="en-US"/>
+            <a:endParaRPr kumimoji="0" lang="en-US" sz="1800"/>
           </a:p>
         </p:txBody>
       </p:sp>
@@ -1820,8 +1836,8 @@
         </p:nvSpPr>
         <p:spPr bwMode="auto">
           <a:xfrm>
-            <a:off x="990600" y="0"/>
-            <a:ext cx="181872" cy="6858000"/>
+            <a:off x="1320800" y="0"/>
+            <a:ext cx="242496" cy="6858000"/>
           </a:xfrm>
           <a:prstGeom prst="rect">
             <a:avLst/>
@@ -1857,7 +1873,7 @@
           <a:lstStyle/>
           <a:p>
             <a:pPr algn="ctr" eaLnBrk="1" latinLnBrk="0" hangingPunct="1"/>
-            <a:endParaRPr kumimoji="0" lang="en-US"/>
+            <a:endParaRPr kumimoji="0" lang="en-US" sz="1800"/>
           </a:p>
         </p:txBody>
       </p:sp>
@@ -1869,8 +1885,8 @@
         </p:nvSpPr>
         <p:spPr bwMode="auto">
           <a:xfrm>
-            <a:off x="1141320" y="0"/>
-            <a:ext cx="230280" cy="6858000"/>
+            <a:off x="1521760" y="0"/>
+            <a:ext cx="307040" cy="6858000"/>
           </a:xfrm>
           <a:prstGeom prst="rect">
             <a:avLst/>
@@ -1906,7 +1922,7 @@
           <a:lstStyle/>
           <a:p>
             <a:pPr algn="ctr" eaLnBrk="1" latinLnBrk="0" hangingPunct="1"/>
-            <a:endParaRPr kumimoji="0" lang="en-US"/>
+            <a:endParaRPr kumimoji="0" lang="en-US" sz="1800"/>
           </a:p>
         </p:txBody>
       </p:sp>
@@ -1920,7 +1936,7 @@
         </p:nvSpPr>
         <p:spPr bwMode="auto">
           <a:xfrm>
-            <a:off x="106344" y="0"/>
+            <a:off x="141792" y="0"/>
             <a:ext cx="0" cy="6858000"/>
           </a:xfrm>
           <a:prstGeom prst="line">
@@ -1945,7 +1961,7 @@
           <a:bodyPr vert="horz" wrap="square" lIns="91440" tIns="45720" rIns="91440" bIns="45720" anchor="t" compatLnSpc="1"/>
           <a:lstStyle/>
           <a:p>
-            <a:endParaRPr kumimoji="0" lang="en-US"/>
+            <a:endParaRPr kumimoji="0" lang="en-US" sz="1800"/>
           </a:p>
         </p:txBody>
       </p:sp>
@@ -1959,7 +1975,7 @@
         </p:nvSpPr>
         <p:spPr bwMode="auto">
           <a:xfrm>
-            <a:off x="914400" y="0"/>
+            <a:off x="1219200" y="0"/>
             <a:ext cx="0" cy="6858000"/>
           </a:xfrm>
           <a:prstGeom prst="line">
@@ -1984,7 +2000,7 @@
           <a:bodyPr vert="horz" wrap="square" lIns="91440" tIns="45720" rIns="91440" bIns="45720" anchor="t" compatLnSpc="1"/>
           <a:lstStyle/>
           <a:p>
-            <a:endParaRPr kumimoji="0" lang="en-US"/>
+            <a:endParaRPr kumimoji="0" lang="en-US" sz="1800"/>
           </a:p>
         </p:txBody>
       </p:sp>
@@ -1998,7 +2014,7 @@
         </p:nvSpPr>
         <p:spPr bwMode="auto">
           <a:xfrm>
-            <a:off x="854112" y="0"/>
+            <a:off x="1138816" y="0"/>
             <a:ext cx="0" cy="6858000"/>
           </a:xfrm>
           <a:prstGeom prst="line">
@@ -2022,7 +2038,7 @@
           <a:bodyPr vert="horz" wrap="square" lIns="91440" tIns="45720" rIns="91440" bIns="45720" anchor="t" compatLnSpc="1"/>
           <a:lstStyle/>
           <a:p>
-            <a:endParaRPr kumimoji="0" lang="en-US"/>
+            <a:endParaRPr kumimoji="0" lang="en-US" sz="1800"/>
           </a:p>
         </p:txBody>
       </p:sp>
@@ -2036,7 +2052,7 @@
         </p:nvSpPr>
         <p:spPr bwMode="auto">
           <a:xfrm>
-            <a:off x="1726640" y="0"/>
+            <a:off x="2302187" y="0"/>
             <a:ext cx="0" cy="6858000"/>
           </a:xfrm>
           <a:prstGeom prst="line">
@@ -2061,7 +2077,7 @@
           <a:bodyPr vert="horz" wrap="square" lIns="91440" tIns="45720" rIns="91440" bIns="45720" anchor="t" compatLnSpc="1"/>
           <a:lstStyle/>
           <a:p>
-            <a:endParaRPr kumimoji="0" lang="en-US"/>
+            <a:endParaRPr kumimoji="0" lang="en-US" sz="1800"/>
           </a:p>
         </p:txBody>
       </p:sp>
@@ -2075,7 +2091,7 @@
         </p:nvSpPr>
         <p:spPr bwMode="auto">
           <a:xfrm>
-            <a:off x="1066800" y="0"/>
+            <a:off x="1422400" y="0"/>
             <a:ext cx="0" cy="6858000"/>
           </a:xfrm>
           <a:prstGeom prst="line">
@@ -2099,7 +2115,7 @@
           <a:bodyPr vert="horz" wrap="square" lIns="91440" tIns="45720" rIns="91440" bIns="45720" anchor="t" compatLnSpc="1"/>
           <a:lstStyle/>
           <a:p>
-            <a:endParaRPr kumimoji="0" lang="en-US"/>
+            <a:endParaRPr kumimoji="0" lang="en-US" sz="1800"/>
           </a:p>
         </p:txBody>
       </p:sp>
@@ -2111,8 +2127,8 @@
         </p:nvSpPr>
         <p:spPr bwMode="auto">
           <a:xfrm>
-            <a:off x="1219200" y="0"/>
-            <a:ext cx="76200" cy="6858000"/>
+            <a:off x="1625600" y="0"/>
+            <a:ext cx="101600" cy="6858000"/>
           </a:xfrm>
           <a:prstGeom prst="rect">
             <a:avLst/>
@@ -2148,7 +2164,7 @@
           <a:lstStyle/>
           <a:p>
             <a:pPr algn="ctr" eaLnBrk="1" latinLnBrk="0" hangingPunct="1"/>
-            <a:endParaRPr kumimoji="0" lang="en-US" dirty="0"/>
+            <a:endParaRPr kumimoji="0" lang="en-US" sz="1800" dirty="0"/>
           </a:p>
         </p:txBody>
       </p:sp>
@@ -2160,8 +2176,8 @@
         </p:nvSpPr>
         <p:spPr bwMode="auto">
           <a:xfrm>
-            <a:off x="609600" y="3429000"/>
-            <a:ext cx="1295400" cy="1295400"/>
+            <a:off x="812800" y="3429000"/>
+            <a:ext cx="1727200" cy="1295400"/>
           </a:xfrm>
           <a:prstGeom prst="ellipse">
             <a:avLst/>
@@ -2191,7 +2207,7 @@
           <a:lstStyle/>
           <a:p>
             <a:pPr algn="ctr" eaLnBrk="1" latinLnBrk="0" hangingPunct="1"/>
-            <a:endParaRPr kumimoji="0" lang="en-US" dirty="0"/>
+            <a:endParaRPr kumimoji="0" lang="en-US" sz="1800" dirty="0"/>
           </a:p>
         </p:txBody>
       </p:sp>
@@ -2203,8 +2219,8 @@
         </p:nvSpPr>
         <p:spPr bwMode="auto">
           <a:xfrm>
-            <a:off x="1324704" y="4866752"/>
-            <a:ext cx="641424" cy="641424"/>
+            <a:off x="1766272" y="4866752"/>
+            <a:ext cx="855232" cy="641424"/>
           </a:xfrm>
           <a:prstGeom prst="ellipse">
             <a:avLst/>
@@ -2234,7 +2250,7 @@
           <a:lstStyle/>
           <a:p>
             <a:pPr algn="ctr" eaLnBrk="1" latinLnBrk="0" hangingPunct="1"/>
-            <a:endParaRPr kumimoji="0" lang="en-US" dirty="0"/>
+            <a:endParaRPr kumimoji="0" lang="en-US" sz="1800" dirty="0"/>
           </a:p>
         </p:txBody>
       </p:sp>
@@ -2246,8 +2262,8 @@
         </p:nvSpPr>
         <p:spPr bwMode="auto">
           <a:xfrm>
-            <a:off x="1091080" y="5500632"/>
-            <a:ext cx="137160" cy="137160"/>
+            <a:off x="1454773" y="5500632"/>
+            <a:ext cx="182880" cy="137160"/>
           </a:xfrm>
           <a:prstGeom prst="ellipse">
             <a:avLst/>
@@ -2277,7 +2293,7 @@
           <a:lstStyle/>
           <a:p>
             <a:pPr algn="ctr" eaLnBrk="1" latinLnBrk="0" hangingPunct="1"/>
-            <a:endParaRPr kumimoji="0" lang="en-US" dirty="0"/>
+            <a:endParaRPr kumimoji="0" lang="en-US" sz="1800" dirty="0"/>
           </a:p>
         </p:txBody>
       </p:sp>
@@ -2289,8 +2305,8 @@
         </p:nvSpPr>
         <p:spPr bwMode="auto">
           <a:xfrm>
-            <a:off x="1664208" y="5791200"/>
-            <a:ext cx="274320" cy="274320"/>
+            <a:off x="2218944" y="5791200"/>
+            <a:ext cx="365760" cy="274320"/>
           </a:xfrm>
           <a:prstGeom prst="ellipse">
             <a:avLst/>
@@ -2320,7 +2336,7 @@
           <a:lstStyle/>
           <a:p>
             <a:pPr algn="ctr" eaLnBrk="1" latinLnBrk="0" hangingPunct="1"/>
-            <a:endParaRPr kumimoji="0" lang="en-US" dirty="0"/>
+            <a:endParaRPr kumimoji="0" lang="en-US" sz="1800" dirty="0"/>
           </a:p>
         </p:txBody>
       </p:sp>
@@ -2332,8 +2348,8 @@
         </p:nvSpPr>
         <p:spPr bwMode="auto">
           <a:xfrm>
-            <a:off x="1879040" y="4479888"/>
-            <a:ext cx="365760" cy="365760"/>
+            <a:off x="2505387" y="4479888"/>
+            <a:ext cx="487680" cy="365760"/>
           </a:xfrm>
           <a:prstGeom prst="ellipse">
             <a:avLst/>
@@ -2363,7 +2379,7 @@
           <a:lstStyle/>
           <a:p>
             <a:pPr algn="ctr" eaLnBrk="1" latinLnBrk="0" hangingPunct="1"/>
-            <a:endParaRPr kumimoji="0" lang="en-US" dirty="0"/>
+            <a:endParaRPr kumimoji="0" lang="en-US" sz="1800" dirty="0"/>
           </a:p>
         </p:txBody>
       </p:sp>
@@ -2377,7 +2393,7 @@
         </p:nvSpPr>
         <p:spPr bwMode="auto">
           <a:xfrm>
-            <a:off x="9097944" y="0"/>
+            <a:off x="12130592" y="0"/>
             <a:ext cx="0" cy="6858000"/>
           </a:xfrm>
           <a:prstGeom prst="line">
@@ -2401,7 +2417,7 @@
           <a:bodyPr vert="horz" wrap="square" lIns="91440" tIns="45720" rIns="91440" bIns="45720" anchor="t" compatLnSpc="1"/>
           <a:lstStyle/>
           <a:p>
-            <a:endParaRPr kumimoji="0" lang="en-US"/>
+            <a:endParaRPr kumimoji="0" lang="en-US" sz="1800"/>
           </a:p>
         </p:txBody>
       </p:sp>
@@ -2417,8 +2433,8 @@
         </p:nvSpPr>
         <p:spPr bwMode="auto">
           <a:xfrm>
-            <a:off x="1340616" y="4928702"/>
-            <a:ext cx="609600" cy="517524"/>
+            <a:off x="1787488" y="4928702"/>
+            <a:ext cx="812800" cy="517524"/>
           </a:xfrm>
         </p:spPr>
         <p:txBody>
@@ -2500,7 +2516,7 @@
             <a:fld id="{74BC4726-2204-402F-8651-3DE2807316DF}" type="datetimeFigureOut">
               <a:rPr lang="en-US" smtClean="0"/>
               <a:pPr/>
-              <a:t>7/28/2018</a:t>
+              <a:t>11/23/2019</a:t>
             </a:fld>
             <a:endParaRPr lang="en-US"/>
           </a:p>
@@ -2561,8 +2577,8 @@
         </p:nvSpPr>
         <p:spPr>
           <a:xfrm>
-            <a:off x="457200" y="1600200"/>
-            <a:ext cx="3657600" cy="4572000"/>
+            <a:off x="609600" y="1600200"/>
+            <a:ext cx="4876800" cy="4572000"/>
           </a:xfrm>
         </p:spPr>
         <p:txBody>
@@ -2618,8 +2634,8 @@
         </p:nvSpPr>
         <p:spPr>
           <a:xfrm>
-            <a:off x="4270248" y="1600200"/>
-            <a:ext cx="3657600" cy="4572000"/>
+            <a:off x="5693664" y="1600200"/>
+            <a:ext cx="4876800" cy="4572000"/>
           </a:xfrm>
         </p:spPr>
         <p:txBody>
@@ -2700,8 +2716,8 @@
         </p:nvSpPr>
         <p:spPr>
           <a:xfrm>
-            <a:off x="457200" y="273050"/>
-            <a:ext cx="7543800" cy="1143000"/>
+            <a:off x="609600" y="273050"/>
+            <a:ext cx="10058400" cy="1143000"/>
           </a:xfrm>
         </p:spPr>
         <p:txBody>
@@ -2738,7 +2754,7 @@
             <a:fld id="{74BC4726-2204-402F-8651-3DE2807316DF}" type="datetimeFigureOut">
               <a:rPr lang="en-US" smtClean="0"/>
               <a:pPr/>
-              <a:t>7/28/2018</a:t>
+              <a:t>11/23/2019</a:t>
             </a:fld>
             <a:endParaRPr lang="en-US"/>
           </a:p>
@@ -2799,8 +2815,8 @@
         </p:nvSpPr>
         <p:spPr>
           <a:xfrm>
-            <a:off x="457200" y="2362200"/>
-            <a:ext cx="3657600" cy="3886200"/>
+            <a:off x="609600" y="2362200"/>
+            <a:ext cx="4876800" cy="3886200"/>
           </a:xfrm>
         </p:spPr>
         <p:txBody>
@@ -2856,8 +2872,8 @@
         </p:nvSpPr>
         <p:spPr>
           <a:xfrm>
-            <a:off x="4371975" y="2362200"/>
-            <a:ext cx="3657600" cy="3886200"/>
+            <a:off x="5829300" y="2362200"/>
+            <a:ext cx="4876800" cy="3886200"/>
           </a:xfrm>
         </p:spPr>
         <p:txBody>
@@ -2913,8 +2929,8 @@
         </p:nvSpPr>
         <p:spPr>
           <a:xfrm>
-            <a:off x="457200" y="1569720"/>
-            <a:ext cx="3657600" cy="658368"/>
+            <a:off x="609600" y="1569720"/>
+            <a:ext cx="4876800" cy="658368"/>
           </a:xfrm>
           <a:prstGeom prst="roundRect">
             <a:avLst>
@@ -2961,8 +2977,8 @@
         </p:nvSpPr>
         <p:spPr>
           <a:xfrm>
-            <a:off x="4343400" y="1569720"/>
-            <a:ext cx="3657600" cy="658368"/>
+            <a:off x="5791200" y="1569720"/>
+            <a:ext cx="4876800" cy="658368"/>
           </a:xfrm>
           <a:prstGeom prst="roundRect">
             <a:avLst>
@@ -3063,7 +3079,7 @@
             <a:fld id="{74BC4726-2204-402F-8651-3DE2807316DF}" type="datetimeFigureOut">
               <a:rPr lang="en-US" smtClean="0"/>
               <a:pPr/>
-              <a:t>7/28/2018</a:t>
+              <a:t>11/23/2019</a:t>
             </a:fld>
             <a:endParaRPr lang="en-US"/>
           </a:p>
@@ -3155,7 +3171,7 @@
             <a:fld id="{74BC4726-2204-402F-8651-3DE2807316DF}" type="datetimeFigureOut">
               <a:rPr lang="en-US" smtClean="0"/>
               <a:pPr/>
-              <a:t>7/28/2018</a:t>
+              <a:t>11/23/2019</a:t>
             </a:fld>
             <a:endParaRPr lang="en-US"/>
           </a:p>
@@ -3244,7 +3260,7 @@
         </p:nvSpPr>
         <p:spPr bwMode="auto">
           <a:xfrm>
-            <a:off x="8763000" y="0"/>
+            <a:off x="11684000" y="0"/>
             <a:ext cx="0" cy="6858000"/>
           </a:xfrm>
           <a:prstGeom prst="line">
@@ -3269,7 +3285,7 @@
           <a:bodyPr vert="horz" wrap="square" lIns="91440" tIns="45720" rIns="91440" bIns="45720" anchor="t" compatLnSpc="1"/>
           <a:lstStyle/>
           <a:p>
-            <a:endParaRPr kumimoji="0" lang="en-US" dirty="0"/>
+            <a:endParaRPr kumimoji="0" lang="en-US" sz="1800" dirty="0"/>
           </a:p>
         </p:txBody>
       </p:sp>
@@ -3285,8 +3301,8 @@
         </p:nvSpPr>
         <p:spPr>
           <a:xfrm rot="5400000">
-            <a:off x="3371850" y="3200400"/>
-            <a:ext cx="6309360" cy="457200"/>
+            <a:off x="5547360" y="3124200"/>
+            <a:ext cx="6309360" cy="609600"/>
           </a:xfrm>
         </p:spPr>
         <p:txBody>
@@ -3318,8 +3334,8 @@
         </p:nvSpPr>
         <p:spPr>
           <a:xfrm>
-            <a:off x="6812280" y="274320"/>
-            <a:ext cx="1527048" cy="4983480"/>
+            <a:off x="9083040" y="274320"/>
+            <a:ext cx="2036064" cy="4983480"/>
           </a:xfrm>
         </p:spPr>
         <p:txBody>
@@ -3371,7 +3387,7 @@
         </p:nvSpPr>
         <p:spPr bwMode="auto">
           <a:xfrm>
-            <a:off x="6248400" y="0"/>
+            <a:off x="8331200" y="0"/>
             <a:ext cx="0" cy="6858000"/>
           </a:xfrm>
           <a:prstGeom prst="line">
@@ -3395,7 +3411,7 @@
           <a:bodyPr vert="horz" wrap="square" lIns="91440" tIns="45720" rIns="91440" bIns="45720" anchor="t" compatLnSpc="1"/>
           <a:lstStyle/>
           <a:p>
-            <a:endParaRPr kumimoji="0" lang="en-US" dirty="0"/>
+            <a:endParaRPr kumimoji="0" lang="en-US" sz="1800" dirty="0"/>
           </a:p>
         </p:txBody>
       </p:sp>
@@ -3409,7 +3425,7 @@
         </p:nvSpPr>
         <p:spPr bwMode="auto">
           <a:xfrm>
-            <a:off x="6192296" y="0"/>
+            <a:off x="8256395" y="0"/>
             <a:ext cx="0" cy="6858000"/>
           </a:xfrm>
           <a:prstGeom prst="line">
@@ -3431,7 +3447,7 @@
           <a:bodyPr vert="horz" wrap="square" lIns="91440" tIns="45720" rIns="91440" bIns="45720" anchor="t" compatLnSpc="1"/>
           <a:lstStyle/>
           <a:p>
-            <a:endParaRPr kumimoji="0" lang="en-US" dirty="0"/>
+            <a:endParaRPr kumimoji="0" lang="en-US" sz="1800" dirty="0"/>
           </a:p>
         </p:txBody>
       </p:sp>
@@ -3445,7 +3461,7 @@
         </p:nvSpPr>
         <p:spPr bwMode="auto">
           <a:xfrm>
-            <a:off x="8991600" y="0"/>
+            <a:off x="11988800" y="0"/>
             <a:ext cx="0" cy="6858000"/>
           </a:xfrm>
           <a:prstGeom prst="line">
@@ -3467,7 +3483,7 @@
           <a:bodyPr vert="horz" wrap="square" lIns="91440" tIns="45720" rIns="91440" bIns="45720" anchor="t" compatLnSpc="1"/>
           <a:lstStyle/>
           <a:p>
-            <a:endParaRPr kumimoji="0" lang="en-US"/>
+            <a:endParaRPr kumimoji="0" lang="en-US" sz="1800"/>
           </a:p>
         </p:txBody>
       </p:sp>
@@ -3479,8 +3495,8 @@
         </p:nvSpPr>
         <p:spPr bwMode="auto">
           <a:xfrm>
-            <a:off x="8839200" y="0"/>
-            <a:ext cx="304800" cy="6858000"/>
+            <a:off x="11785600" y="0"/>
+            <a:ext cx="406400" cy="6858000"/>
           </a:xfrm>
           <a:prstGeom prst="rect">
             <a:avLst/>
@@ -3516,7 +3532,7 @@
           <a:lstStyle/>
           <a:p>
             <a:pPr algn="ctr" eaLnBrk="1" latinLnBrk="0" hangingPunct="1"/>
-            <a:endParaRPr kumimoji="0" lang="en-US"/>
+            <a:endParaRPr kumimoji="0" lang="en-US" sz="1800"/>
           </a:p>
         </p:txBody>
       </p:sp>
@@ -3530,7 +3546,7 @@
         </p:nvSpPr>
         <p:spPr bwMode="auto">
           <a:xfrm>
-            <a:off x="8915400" y="0"/>
+            <a:off x="11887200" y="0"/>
             <a:ext cx="0" cy="6858000"/>
           </a:xfrm>
           <a:prstGeom prst="line">
@@ -3552,7 +3568,7 @@
           <a:bodyPr vert="horz" wrap="square" lIns="91440" tIns="45720" rIns="91440" bIns="45720" anchor="t" compatLnSpc="1"/>
           <a:lstStyle/>
           <a:p>
-            <a:endParaRPr kumimoji="0" lang="en-US"/>
+            <a:endParaRPr kumimoji="0" lang="en-US" sz="1800"/>
           </a:p>
         </p:txBody>
       </p:sp>
@@ -3564,8 +3580,8 @@
         </p:nvSpPr>
         <p:spPr>
           <a:xfrm>
-            <a:off x="8156448" y="5715000"/>
-            <a:ext cx="548640" cy="548640"/>
+            <a:off x="10875264" y="5715000"/>
+            <a:ext cx="731520" cy="548640"/>
           </a:xfrm>
           <a:prstGeom prst="ellipse">
             <a:avLst/>
@@ -3595,7 +3611,7 @@
           <a:lstStyle/>
           <a:p>
             <a:pPr algn="ctr" eaLnBrk="1" latinLnBrk="0" hangingPunct="1"/>
-            <a:endParaRPr kumimoji="0" lang="en-US" dirty="0"/>
+            <a:endParaRPr kumimoji="0" lang="en-US" sz="1800" dirty="0"/>
           </a:p>
         </p:txBody>
       </p:sp>
@@ -3611,8 +3627,8 @@
         </p:nvSpPr>
         <p:spPr>
           <a:xfrm>
-            <a:off x="304800" y="274320"/>
-            <a:ext cx="5638800" cy="6327648"/>
+            <a:off x="406400" y="274320"/>
+            <a:ext cx="7518400" cy="6327648"/>
           </a:xfrm>
         </p:spPr>
         <p:txBody>
@@ -3674,7 +3690,7 @@
             <a:fld id="{74BC4726-2204-402F-8651-3DE2807316DF}" type="datetimeFigureOut">
               <a:rPr lang="en-US" smtClean="0"/>
               <a:pPr/>
-              <a:t>7/28/2018</a:t>
+              <a:t>11/23/2019</a:t>
             </a:fld>
             <a:endParaRPr lang="en-US"/>
           </a:p>
@@ -3758,7 +3774,7 @@
         </p:nvSpPr>
         <p:spPr bwMode="auto">
           <a:xfrm>
-            <a:off x="8763000" y="0"/>
+            <a:off x="11684000" y="0"/>
             <a:ext cx="0" cy="6858000"/>
           </a:xfrm>
           <a:prstGeom prst="line">
@@ -3782,7 +3798,7 @@
           <a:bodyPr vert="horz" wrap="square" lIns="91440" tIns="45720" rIns="91440" bIns="45720" anchor="t" compatLnSpc="1"/>
           <a:lstStyle/>
           <a:p>
-            <a:endParaRPr kumimoji="0" lang="en-US"/>
+            <a:endParaRPr kumimoji="0" lang="en-US" sz="1800"/>
           </a:p>
         </p:txBody>
       </p:sp>
@@ -3794,8 +3810,8 @@
         </p:nvSpPr>
         <p:spPr>
           <a:xfrm>
-            <a:off x="8156448" y="5715000"/>
-            <a:ext cx="548640" cy="548640"/>
+            <a:off x="10875264" y="5715000"/>
+            <a:ext cx="731520" cy="548640"/>
           </a:xfrm>
           <a:prstGeom prst="ellipse">
             <a:avLst/>
@@ -3825,7 +3841,7 @@
           <a:lstStyle/>
           <a:p>
             <a:pPr algn="ctr" eaLnBrk="1" latinLnBrk="0" hangingPunct="1"/>
-            <a:endParaRPr kumimoji="0" lang="en-US" dirty="0"/>
+            <a:endParaRPr kumimoji="0" lang="en-US" sz="1800" dirty="0"/>
           </a:p>
         </p:txBody>
       </p:sp>
@@ -3841,8 +3857,8 @@
         </p:nvSpPr>
         <p:spPr>
           <a:xfrm rot="5400000">
-            <a:off x="3350133" y="3200400"/>
-            <a:ext cx="6309360" cy="457200"/>
+            <a:off x="5518404" y="3124200"/>
+            <a:ext cx="6309360" cy="609600"/>
           </a:xfrm>
         </p:spPr>
         <p:txBody>
@@ -3875,7 +3891,7 @@
         <p:spPr>
           <a:xfrm>
             <a:off x="0" y="0"/>
-            <a:ext cx="6172200" cy="6858000"/>
+            <a:ext cx="8229600" cy="6858000"/>
           </a:xfrm>
           <a:solidFill>
             <a:schemeClr val="bg2"/>
@@ -3933,8 +3949,8 @@
         </p:nvSpPr>
         <p:spPr>
           <a:xfrm>
-            <a:off x="6765798" y="264795"/>
-            <a:ext cx="1524000" cy="4956048"/>
+            <a:off x="9021064" y="264795"/>
+            <a:ext cx="2032000" cy="4956048"/>
           </a:xfrm>
         </p:spPr>
         <p:txBody>
@@ -3985,7 +4001,7 @@
         </p:nvSpPr>
         <p:spPr bwMode="auto">
           <a:xfrm>
-            <a:off x="8991600" y="0"/>
+            <a:off x="11988800" y="0"/>
             <a:ext cx="0" cy="6858000"/>
           </a:xfrm>
           <a:prstGeom prst="line">
@@ -4007,7 +4023,7 @@
           <a:bodyPr vert="horz" wrap="square" lIns="91440" tIns="45720" rIns="91440" bIns="45720" anchor="t" compatLnSpc="1"/>
           <a:lstStyle/>
           <a:p>
-            <a:endParaRPr kumimoji="0" lang="en-US"/>
+            <a:endParaRPr kumimoji="0" lang="en-US" sz="1800"/>
           </a:p>
         </p:txBody>
       </p:sp>
@@ -4019,8 +4035,8 @@
         </p:nvSpPr>
         <p:spPr bwMode="auto">
           <a:xfrm>
-            <a:off x="8839200" y="0"/>
-            <a:ext cx="304800" cy="6858000"/>
+            <a:off x="11785600" y="0"/>
+            <a:ext cx="406400" cy="6858000"/>
           </a:xfrm>
           <a:prstGeom prst="rect">
             <a:avLst/>
@@ -4055,7 +4071,7 @@
           <a:lstStyle/>
           <a:p>
             <a:pPr algn="ctr" eaLnBrk="1" latinLnBrk="0" hangingPunct="1"/>
-            <a:endParaRPr kumimoji="0" lang="en-US"/>
+            <a:endParaRPr kumimoji="0" lang="en-US" sz="1800"/>
           </a:p>
         </p:txBody>
       </p:sp>
@@ -4069,7 +4085,7 @@
         </p:nvSpPr>
         <p:spPr bwMode="auto">
           <a:xfrm>
-            <a:off x="8915400" y="0"/>
+            <a:off x="11887200" y="0"/>
             <a:ext cx="0" cy="6858000"/>
           </a:xfrm>
           <a:prstGeom prst="line">
@@ -4091,7 +4107,7 @@
           <a:bodyPr vert="horz" wrap="square" lIns="91440" tIns="45720" rIns="91440" bIns="45720" anchor="t" compatLnSpc="1"/>
           <a:lstStyle/>
           <a:p>
-            <a:endParaRPr kumimoji="0" lang="en-US"/>
+            <a:endParaRPr kumimoji="0" lang="en-US" sz="1800"/>
           </a:p>
         </p:txBody>
       </p:sp>
@@ -4105,7 +4121,7 @@
         </p:nvSpPr>
         <p:spPr bwMode="auto">
           <a:xfrm>
-            <a:off x="6248400" y="0"/>
+            <a:off x="8331200" y="0"/>
             <a:ext cx="0" cy="6858000"/>
           </a:xfrm>
           <a:prstGeom prst="line">
@@ -4129,7 +4145,7 @@
           <a:bodyPr vert="horz" wrap="square" lIns="91440" tIns="45720" rIns="91440" bIns="45720" anchor="t" compatLnSpc="1"/>
           <a:lstStyle/>
           <a:p>
-            <a:endParaRPr kumimoji="0" lang="en-US" dirty="0"/>
+            <a:endParaRPr kumimoji="0" lang="en-US" sz="1800" dirty="0"/>
           </a:p>
         </p:txBody>
       </p:sp>
@@ -4143,7 +4159,7 @@
         </p:nvSpPr>
         <p:spPr bwMode="auto">
           <a:xfrm>
-            <a:off x="6192296" y="0"/>
+            <a:off x="8256395" y="0"/>
             <a:ext cx="0" cy="6858000"/>
           </a:xfrm>
           <a:prstGeom prst="line">
@@ -4165,7 +4181,7 @@
           <a:bodyPr vert="horz" wrap="square" lIns="91440" tIns="45720" rIns="91440" bIns="45720" anchor="t" compatLnSpc="1"/>
           <a:lstStyle/>
           <a:p>
-            <a:endParaRPr kumimoji="0" lang="en-US" dirty="0"/>
+            <a:endParaRPr kumimoji="0" lang="en-US" sz="1800" dirty="0"/>
           </a:p>
         </p:txBody>
       </p:sp>
@@ -4187,7 +4203,7 @@
             <a:fld id="{74BC4726-2204-402F-8651-3DE2807316DF}" type="datetimeFigureOut">
               <a:rPr lang="en-US" smtClean="0"/>
               <a:pPr/>
-              <a:t>7/28/2018</a:t>
+              <a:t>11/23/2019</a:t>
             </a:fld>
             <a:endParaRPr lang="en-US"/>
           </a:p>
@@ -4276,7 +4292,7 @@
         </p:nvSpPr>
         <p:spPr bwMode="auto">
           <a:xfrm>
-            <a:off x="8763000" y="0"/>
+            <a:off x="11684000" y="0"/>
             <a:ext cx="0" cy="6858000"/>
           </a:xfrm>
           <a:prstGeom prst="line">
@@ -4301,7 +4317,7 @@
           <a:bodyPr vert="horz" wrap="square" lIns="91440" tIns="45720" rIns="91440" bIns="45720" anchor="t" compatLnSpc="1"/>
           <a:lstStyle/>
           <a:p>
-            <a:endParaRPr kumimoji="0" lang="en-US" dirty="0"/>
+            <a:endParaRPr kumimoji="0" lang="en-US" sz="1800" dirty="0"/>
           </a:p>
         </p:txBody>
       </p:sp>
@@ -4317,8 +4333,8 @@
         </p:nvSpPr>
         <p:spPr>
           <a:xfrm>
-            <a:off x="457200" y="274638"/>
-            <a:ext cx="7467600" cy="1143000"/>
+            <a:off x="609600" y="274638"/>
+            <a:ext cx="9956800" cy="1143000"/>
           </a:xfrm>
           <a:prstGeom prst="rect">
             <a:avLst/>
@@ -4350,8 +4366,8 @@
         </p:nvSpPr>
         <p:spPr>
           <a:xfrm>
-            <a:off x="457200" y="1600200"/>
-            <a:ext cx="7467600" cy="4873752"/>
+            <a:off x="609600" y="1600200"/>
+            <a:ext cx="9956800" cy="4873752"/>
           </a:xfrm>
           <a:prstGeom prst="rect">
             <a:avLst/>
@@ -4412,8 +4428,8 @@
         </p:nvSpPr>
         <p:spPr>
           <a:xfrm rot="5400000">
-            <a:off x="7589520" y="1081851"/>
-            <a:ext cx="2011680" cy="384048"/>
+            <a:off x="10454640" y="1017843"/>
+            <a:ext cx="2011680" cy="512064"/>
           </a:xfrm>
           <a:prstGeom prst="rect">
             <a:avLst/>
@@ -4434,7 +4450,7 @@
             <a:fld id="{74BC4726-2204-402F-8651-3DE2807316DF}" type="datetimeFigureOut">
               <a:rPr lang="en-US" smtClean="0"/>
               <a:pPr/>
-              <a:t>7/28/2018</a:t>
+              <a:t>11/23/2019</a:t>
             </a:fld>
             <a:endParaRPr lang="en-US"/>
           </a:p>
@@ -4452,8 +4468,8 @@
         </p:nvSpPr>
         <p:spPr>
           <a:xfrm rot="5400000">
-            <a:off x="6990186" y="3737240"/>
-            <a:ext cx="3200400" cy="365760"/>
+            <a:off x="9853648" y="3676280"/>
+            <a:ext cx="3200400" cy="487680"/>
           </a:xfrm>
           <a:prstGeom prst="rect">
             <a:avLst/>
@@ -4485,7 +4501,7 @@
         </p:nvSpPr>
         <p:spPr bwMode="auto">
           <a:xfrm>
-            <a:off x="76200" y="0"/>
+            <a:off x="101600" y="0"/>
             <a:ext cx="0" cy="6858000"/>
           </a:xfrm>
           <a:prstGeom prst="line">
@@ -4509,7 +4525,7 @@
           <a:bodyPr vert="horz" wrap="square" lIns="91440" tIns="45720" rIns="91440" bIns="45720" anchor="t" compatLnSpc="1"/>
           <a:lstStyle/>
           <a:p>
-            <a:endParaRPr kumimoji="0" lang="en-US"/>
+            <a:endParaRPr kumimoji="0" lang="en-US" sz="1800"/>
           </a:p>
         </p:txBody>
       </p:sp>
@@ -4523,7 +4539,7 @@
         </p:nvSpPr>
         <p:spPr bwMode="auto">
           <a:xfrm>
-            <a:off x="8991600" y="0"/>
+            <a:off x="11988800" y="0"/>
             <a:ext cx="0" cy="6858000"/>
           </a:xfrm>
           <a:prstGeom prst="line">
@@ -4545,7 +4561,7 @@
           <a:bodyPr vert="horz" wrap="square" lIns="91440" tIns="45720" rIns="91440" bIns="45720" anchor="t" compatLnSpc="1"/>
           <a:lstStyle/>
           <a:p>
-            <a:endParaRPr kumimoji="0" lang="en-US"/>
+            <a:endParaRPr kumimoji="0" lang="en-US" sz="1800"/>
           </a:p>
         </p:txBody>
       </p:sp>
@@ -4557,8 +4573,8 @@
         </p:nvSpPr>
         <p:spPr bwMode="auto">
           <a:xfrm>
-            <a:off x="8839200" y="0"/>
-            <a:ext cx="304800" cy="6858000"/>
+            <a:off x="11785600" y="0"/>
+            <a:ext cx="406400" cy="6858000"/>
           </a:xfrm>
           <a:prstGeom prst="rect">
             <a:avLst/>
@@ -4594,7 +4610,7 @@
           <a:lstStyle/>
           <a:p>
             <a:pPr algn="ctr" eaLnBrk="1" latinLnBrk="0" hangingPunct="1"/>
-            <a:endParaRPr kumimoji="0" lang="en-US"/>
+            <a:endParaRPr kumimoji="0" lang="en-US" sz="1800"/>
           </a:p>
         </p:txBody>
       </p:sp>
@@ -4608,7 +4624,7 @@
         </p:nvSpPr>
         <p:spPr bwMode="auto">
           <a:xfrm>
-            <a:off x="8915400" y="0"/>
+            <a:off x="11887200" y="0"/>
             <a:ext cx="0" cy="6858000"/>
           </a:xfrm>
           <a:prstGeom prst="line">
@@ -4630,7 +4646,7 @@
           <a:bodyPr vert="horz" wrap="square" lIns="91440" tIns="45720" rIns="91440" bIns="45720" anchor="t" compatLnSpc="1"/>
           <a:lstStyle/>
           <a:p>
-            <a:endParaRPr kumimoji="0" lang="en-US"/>
+            <a:endParaRPr kumimoji="0" lang="en-US" sz="1800"/>
           </a:p>
         </p:txBody>
       </p:sp>
@@ -4642,8 +4658,8 @@
         </p:nvSpPr>
         <p:spPr>
           <a:xfrm>
-            <a:off x="8156448" y="5715000"/>
-            <a:ext cx="548640" cy="548640"/>
+            <a:off x="10875264" y="5715000"/>
+            <a:ext cx="731520" cy="548640"/>
           </a:xfrm>
           <a:prstGeom prst="ellipse">
             <a:avLst/>
@@ -4673,7 +4689,7 @@
           <a:lstStyle/>
           <a:p>
             <a:pPr algn="ctr" eaLnBrk="1" latinLnBrk="0" hangingPunct="1"/>
-            <a:endParaRPr kumimoji="0" lang="en-US" dirty="0"/>
+            <a:endParaRPr kumimoji="0" lang="en-US" sz="1800" dirty="0"/>
           </a:p>
         </p:txBody>
       </p:sp>
@@ -4689,8 +4705,8 @@
         </p:nvSpPr>
         <p:spPr>
           <a:xfrm>
-            <a:off x="8129016" y="5734050"/>
-            <a:ext cx="609600" cy="521208"/>
+            <a:off x="10838688" y="5734050"/>
+            <a:ext cx="812800" cy="521208"/>
           </a:xfrm>
           <a:prstGeom prst="rect">
             <a:avLst/>
@@ -5058,7 +5074,7 @@
           <a:lstStyle/>
           <a:p>
             <a:r>
-              <a:rPr lang="zh-CN" altLang="en-US" sz="8800" dirty="0" smtClean="0">
+              <a:rPr lang="zh-CN" altLang="en-US" sz="8800" dirty="0">
                 <a:latin typeface="微軟正黑體" pitchFamily="34" charset="-120"/>
                 <a:ea typeface="微軟正黑體" pitchFamily="34" charset="-120"/>
               </a:rPr>
@@ -5261,8 +5277,8 @@
         </p:nvSpPr>
         <p:spPr>
           <a:xfrm>
-            <a:off x="0" y="0"/>
-            <a:ext cx="9144000" cy="6858000"/>
+            <a:off x="76200" y="0"/>
+            <a:ext cx="11582400" cy="6858000"/>
           </a:xfrm>
         </p:spPr>
         <p:txBody>
@@ -5272,14 +5288,14 @@
           <a:lstStyle/>
           <a:p>
             <a:r>
-              <a:rPr lang="zh-TW" altLang="en-US" sz="6000" dirty="0" smtClean="0">
+              <a:rPr lang="zh-TW" altLang="en-US" sz="6000" dirty="0">
                 <a:latin typeface="微軟正黑體" pitchFamily="34" charset="-120"/>
                 <a:ea typeface="微軟正黑體" pitchFamily="34" charset="-120"/>
               </a:rPr>
               <a:t>你們是世上的鹽。鹽若失了味，怎能叫他再鹹呢？以後無用，不過丟在外面，被人踐踏了。</a:t>
             </a:r>
             <a:r>
-              <a:rPr lang="en-US" altLang="zh-TW" sz="6000" dirty="0" smtClean="0">
+              <a:rPr lang="en-US" altLang="zh-TW" sz="6000" dirty="0">
                 <a:latin typeface="微軟正黑體" pitchFamily="34" charset="-120"/>
                 <a:ea typeface="微軟正黑體" pitchFamily="34" charset="-120"/>
               </a:rPr>
@@ -5288,13 +5304,13 @@
           </a:p>
           <a:p>
             <a:r>
-              <a:rPr lang="zh-TW" altLang="en-US" sz="6000" b="1" dirty="0" smtClean="0">
+              <a:rPr lang="zh-TW" altLang="en-US" sz="6000" b="1" dirty="0">
                 <a:latin typeface="微軟正黑體" pitchFamily="34" charset="-120"/>
                 <a:ea typeface="微軟正黑體" pitchFamily="34" charset="-120"/>
               </a:rPr>
               <a:t>你們是世上的光。城造在山上是不能隱藏的。</a:t>
             </a:r>
-            <a:endParaRPr lang="en-US" altLang="zh-TW" sz="6000" b="1" dirty="0" smtClean="0">
+            <a:endParaRPr lang="en-US" altLang="zh-TW" sz="6000" b="1" dirty="0">
               <a:latin typeface="微軟正黑體" pitchFamily="34" charset="-120"/>
               <a:ea typeface="微軟正黑體" pitchFamily="34" charset="-120"/>
             </a:endParaRPr>
@@ -5345,8 +5361,8 @@
         </p:nvSpPr>
         <p:spPr>
           <a:xfrm>
-            <a:off x="0" y="0"/>
-            <a:ext cx="9144000" cy="6858000"/>
+            <a:off x="76200" y="0"/>
+            <a:ext cx="11582400" cy="6858000"/>
           </a:xfrm>
         </p:spPr>
         <p:txBody>
@@ -5356,14 +5372,14 @@
           <a:lstStyle/>
           <a:p>
             <a:r>
-              <a:rPr lang="zh-TW" altLang="en-US" sz="6000" dirty="0" smtClean="0">
+              <a:rPr lang="zh-TW" altLang="en-US" sz="6000" dirty="0">
                 <a:latin typeface="微軟正黑體" pitchFamily="34" charset="-120"/>
                 <a:ea typeface="微軟正黑體" pitchFamily="34" charset="-120"/>
               </a:rPr>
               <a:t>人點燈，不放在斗底下，是放在燈臺上，就照亮一家的人。</a:t>
             </a:r>
             <a:r>
-              <a:rPr lang="en-US" altLang="zh-TW" sz="6000" dirty="0" smtClean="0">
+              <a:rPr lang="en-US" altLang="zh-TW" sz="6000" dirty="0">
                 <a:latin typeface="微軟正黑體" pitchFamily="34" charset="-120"/>
                 <a:ea typeface="微軟正黑體" pitchFamily="34" charset="-120"/>
               </a:rPr>
@@ -5372,23 +5388,32 @@
           </a:p>
           <a:p>
             <a:r>
-              <a:rPr lang="zh-TW" altLang="en-US" sz="6000" b="1" dirty="0" smtClean="0">
+              <a:rPr lang="zh-TW" altLang="en-US" sz="6000" b="1" dirty="0">
                 <a:latin typeface="微軟正黑體" pitchFamily="34" charset="-120"/>
                 <a:ea typeface="微軟正黑體" pitchFamily="34" charset="-120"/>
               </a:rPr>
               <a:t>你們的光也當這樣照在人前，叫他們看見你們的好行為，便將榮耀歸給你們在天上的父。」</a:t>
             </a:r>
             <a:r>
-              <a:rPr lang="en-US" altLang="zh-TW" sz="6000" b="1" dirty="0" smtClean="0">
+              <a:rPr lang="en-US" altLang="zh-TW" sz="6000" b="1" dirty="0">
                 <a:latin typeface="微軟正黑體" pitchFamily="34" charset="-120"/>
                 <a:ea typeface="微軟正黑體" pitchFamily="34" charset="-120"/>
               </a:rPr>
               <a:t> </a:t>
             </a:r>
+            <a:endParaRPr lang="en-US" altLang="zh-TW" sz="6000" b="1" dirty="0">
+              <a:latin typeface="微軟正黑體" pitchFamily="34" charset="-120"/>
+              <a:ea typeface="微軟正黑體" pitchFamily="34" charset="-120"/>
+            </a:endParaRPr>
           </a:p>
         </p:txBody>
       </p:sp>
     </p:spTree>
+    <p:extLst>
+      <p:ext uri="{BB962C8B-B14F-4D97-AF65-F5344CB8AC3E}">
+        <p14:creationId xmlns:p14="http://schemas.microsoft.com/office/powerpoint/2010/main" val="514030800"/>
+      </p:ext>
+    </p:extLst>
   </p:cSld>
   <p:clrMapOvr>
     <a:masterClrMapping/>
@@ -5432,8 +5457,8 @@
         </p:nvSpPr>
         <p:spPr>
           <a:xfrm>
-            <a:off x="0" y="0"/>
-            <a:ext cx="9144000" cy="6858000"/>
+            <a:off x="76200" y="0"/>
+            <a:ext cx="11582400" cy="6858000"/>
           </a:xfrm>
         </p:spPr>
         <p:txBody>
@@ -5443,14 +5468,14 @@
           <a:lstStyle/>
           <a:p>
             <a:r>
-              <a:rPr lang="zh-TW" altLang="en-US" sz="6000" dirty="0" smtClean="0">
+              <a:rPr lang="zh-TW" altLang="en-US" sz="6000" dirty="0">
                 <a:latin typeface="微軟正黑體" pitchFamily="34" charset="-120"/>
                 <a:ea typeface="微軟正黑體" pitchFamily="34" charset="-120"/>
               </a:rPr>
               <a:t>我們沒有一個人為自己活，也沒有一個人為自己死。</a:t>
             </a:r>
             <a:r>
-              <a:rPr lang="en-US" altLang="zh-TW" sz="6000" dirty="0" smtClean="0">
+              <a:rPr lang="en-US" altLang="zh-TW" sz="6000" dirty="0">
                 <a:latin typeface="微軟正黑體" pitchFamily="34" charset="-120"/>
                 <a:ea typeface="微軟正黑體" pitchFamily="34" charset="-120"/>
               </a:rPr>
@@ -5459,23 +5484,32 @@
           </a:p>
           <a:p>
             <a:r>
-              <a:rPr lang="zh-TW" altLang="en-US" sz="6000" b="1" dirty="0" smtClean="0">
+              <a:rPr lang="zh-TW" altLang="en-US" sz="6000" b="1" dirty="0">
                 <a:latin typeface="微軟正黑體" pitchFamily="34" charset="-120"/>
                 <a:ea typeface="微軟正黑體" pitchFamily="34" charset="-120"/>
               </a:rPr>
               <a:t>我們若活著，是為主而活；若死了，是為主而死。所以，我們或活或死總是主的人。</a:t>
             </a:r>
             <a:r>
-              <a:rPr lang="en-US" altLang="zh-TW" sz="6000" b="1" dirty="0" smtClean="0">
+              <a:rPr lang="en-US" altLang="zh-TW" sz="6000" b="1" dirty="0">
                 <a:latin typeface="微軟正黑體" pitchFamily="34" charset="-120"/>
                 <a:ea typeface="微軟正黑體" pitchFamily="34" charset="-120"/>
               </a:rPr>
               <a:t> </a:t>
             </a:r>
+            <a:endParaRPr lang="en-US" altLang="zh-TW" sz="6000" b="1" dirty="0">
+              <a:latin typeface="微軟正黑體" pitchFamily="34" charset="-120"/>
+              <a:ea typeface="微軟正黑體" pitchFamily="34" charset="-120"/>
+            </a:endParaRPr>
           </a:p>
         </p:txBody>
       </p:sp>
     </p:spTree>
+    <p:extLst>
+      <p:ext uri="{BB962C8B-B14F-4D97-AF65-F5344CB8AC3E}">
+        <p14:creationId xmlns:p14="http://schemas.microsoft.com/office/powerpoint/2010/main" val="2050350481"/>
+      </p:ext>
+    </p:extLst>
   </p:cSld>
   <p:clrMapOvr>
     <a:masterClrMapping/>
@@ -5519,8 +5553,8 @@
         </p:nvSpPr>
         <p:spPr>
           <a:xfrm>
-            <a:off x="0" y="0"/>
-            <a:ext cx="9144000" cy="6858000"/>
+            <a:off x="76200" y="0"/>
+            <a:ext cx="11582400" cy="6858000"/>
           </a:xfrm>
         </p:spPr>
         <p:txBody>
@@ -5530,23 +5564,32 @@
           <a:lstStyle/>
           <a:p>
             <a:r>
-              <a:rPr lang="zh-TW" altLang="en-US" sz="6000" dirty="0" smtClean="0">
+              <a:rPr lang="zh-TW" altLang="en-US" sz="6000" dirty="0">
                 <a:latin typeface="微軟正黑體" pitchFamily="34" charset="-120"/>
                 <a:ea typeface="微軟正黑體" pitchFamily="34" charset="-120"/>
               </a:rPr>
               <a:t>不可叫你的善被人毀謗；因為神的國不在乎吃喝，只在乎公義、和平，並聖靈中的喜樂。</a:t>
             </a:r>
             <a:r>
-              <a:rPr lang="en-US" altLang="zh-TW" sz="6000" dirty="0" smtClean="0">
+              <a:rPr lang="en-US" altLang="zh-TW" sz="6000" dirty="0">
                 <a:latin typeface="微軟正黑體" pitchFamily="34" charset="-120"/>
                 <a:ea typeface="微軟正黑體" pitchFamily="34" charset="-120"/>
               </a:rPr>
               <a:t> </a:t>
             </a:r>
+            <a:endParaRPr lang="en-US" altLang="zh-TW" sz="6000" dirty="0">
+              <a:latin typeface="微軟正黑體" pitchFamily="34" charset="-120"/>
+              <a:ea typeface="微軟正黑體" pitchFamily="34" charset="-120"/>
+            </a:endParaRPr>
           </a:p>
         </p:txBody>
       </p:sp>
     </p:spTree>
+    <p:extLst>
+      <p:ext uri="{BB962C8B-B14F-4D97-AF65-F5344CB8AC3E}">
+        <p14:creationId xmlns:p14="http://schemas.microsoft.com/office/powerpoint/2010/main" val="336510992"/>
+      </p:ext>
+    </p:extLst>
   </p:cSld>
   <p:clrMapOvr>
     <a:masterClrMapping/>
@@ -5590,8 +5633,8 @@
         </p:nvSpPr>
         <p:spPr>
           <a:xfrm>
-            <a:off x="0" y="0"/>
-            <a:ext cx="9144000" cy="6858000"/>
+            <a:off x="76200" y="0"/>
+            <a:ext cx="11582400" cy="6858000"/>
           </a:xfrm>
         </p:spPr>
         <p:txBody>
@@ -5601,26 +5644,26 @@
           <a:lstStyle/>
           <a:p>
             <a:r>
-              <a:rPr lang="zh-TW" altLang="en-US" sz="6000" b="1" dirty="0" smtClean="0">
+              <a:rPr lang="zh-TW" altLang="en-US" sz="6000" b="1" dirty="0">
                 <a:latin typeface="微軟正黑體" pitchFamily="34" charset="-120"/>
                 <a:ea typeface="微軟正黑體" pitchFamily="34" charset="-120"/>
               </a:rPr>
               <a:t>你們曉得現今就是該趁早睡醒的時候；因為我們得救，現今比初信的時候更近了。</a:t>
             </a:r>
-            <a:endParaRPr lang="en-US" altLang="zh-TW" sz="6000" b="1" dirty="0" smtClean="0">
+            <a:endParaRPr lang="en-US" altLang="zh-TW" sz="6000" b="1" dirty="0">
               <a:latin typeface="微軟正黑體" pitchFamily="34" charset="-120"/>
               <a:ea typeface="微軟正黑體" pitchFamily="34" charset="-120"/>
             </a:endParaRPr>
           </a:p>
           <a:p>
             <a:r>
-              <a:rPr lang="zh-TW" altLang="en-US" sz="6000" dirty="0" smtClean="0">
+              <a:rPr lang="zh-TW" altLang="en-US" sz="6000" dirty="0">
                 <a:latin typeface="微軟正黑體" pitchFamily="34" charset="-120"/>
                 <a:ea typeface="微軟正黑體" pitchFamily="34" charset="-120"/>
               </a:rPr>
               <a:t>黑夜已深，白晝將近；我們就當脫去暗昧的行為，帶上光明的兵器。</a:t>
             </a:r>
-            <a:endParaRPr lang="en-US" altLang="zh-TW" sz="6000" dirty="0" smtClean="0">
+            <a:endParaRPr lang="en-US" altLang="zh-TW" sz="6000" dirty="0">
               <a:latin typeface="微軟正黑體" pitchFamily="34" charset="-120"/>
               <a:ea typeface="微軟正黑體" pitchFamily="34" charset="-120"/>
             </a:endParaRPr>
@@ -5628,6 +5671,11 @@
         </p:txBody>
       </p:sp>
     </p:spTree>
+    <p:extLst>
+      <p:ext uri="{BB962C8B-B14F-4D97-AF65-F5344CB8AC3E}">
+        <p14:creationId xmlns:p14="http://schemas.microsoft.com/office/powerpoint/2010/main" val="654938802"/>
+      </p:ext>
+    </p:extLst>
   </p:cSld>
   <p:clrMapOvr>
     <a:masterClrMapping/>
@@ -5671,8 +5719,8 @@
         </p:nvSpPr>
         <p:spPr>
           <a:xfrm>
-            <a:off x="0" y="0"/>
-            <a:ext cx="9144000" cy="6858000"/>
+            <a:off x="76200" y="0"/>
+            <a:ext cx="11582400" cy="6858000"/>
           </a:xfrm>
         </p:spPr>
         <p:txBody>
@@ -5682,36 +5730,45 @@
           <a:lstStyle/>
           <a:p>
             <a:r>
-              <a:rPr lang="zh-TW" altLang="en-US" sz="6000" b="1" dirty="0" smtClean="0">
+              <a:rPr lang="zh-TW" altLang="en-US" sz="6000" b="1" dirty="0">
                 <a:latin typeface="微軟正黑體" pitchFamily="34" charset="-120"/>
                 <a:ea typeface="微軟正黑體" pitchFamily="34" charset="-120"/>
               </a:rPr>
               <a:t>行事為人要端正，好像行在白晝。不可荒宴醉酒，不可好色邪蕩，不可爭競嫉妒；</a:t>
             </a:r>
-            <a:endParaRPr lang="en-US" altLang="zh-TW" sz="6000" b="1" dirty="0" smtClean="0">
+            <a:endParaRPr lang="en-US" altLang="zh-TW" sz="6000" b="1" dirty="0">
               <a:latin typeface="微軟正黑體" pitchFamily="34" charset="-120"/>
               <a:ea typeface="微軟正黑體" pitchFamily="34" charset="-120"/>
             </a:endParaRPr>
           </a:p>
           <a:p>
             <a:r>
-              <a:rPr lang="zh-TW" altLang="en-US" sz="6000" dirty="0" smtClean="0">
+              <a:rPr lang="zh-TW" altLang="en-US" sz="6000" dirty="0">
                 <a:latin typeface="微軟正黑體" pitchFamily="34" charset="-120"/>
                 <a:ea typeface="微軟正黑體" pitchFamily="34" charset="-120"/>
               </a:rPr>
               <a:t>總要披戴主耶穌基督，不要為肉體安排，去放縱私慾。</a:t>
             </a:r>
             <a:r>
-              <a:rPr lang="en-US" altLang="zh-TW" sz="6000" b="1" dirty="0" smtClean="0">
+              <a:rPr lang="en-US" altLang="zh-TW" sz="6000" b="1" dirty="0">
                 <a:latin typeface="微軟正黑體" pitchFamily="34" charset="-120"/>
                 <a:ea typeface="微軟正黑體" pitchFamily="34" charset="-120"/>
               </a:rPr>
               <a:t> </a:t>
             </a:r>
+            <a:endParaRPr lang="en-US" altLang="zh-TW" sz="6000" b="1" dirty="0">
+              <a:latin typeface="微軟正黑體" pitchFamily="34" charset="-120"/>
+              <a:ea typeface="微軟正黑體" pitchFamily="34" charset="-120"/>
+            </a:endParaRPr>
           </a:p>
         </p:txBody>
       </p:sp>
     </p:spTree>
+    <p:extLst>
+      <p:ext uri="{BB962C8B-B14F-4D97-AF65-F5344CB8AC3E}">
+        <p14:creationId xmlns:p14="http://schemas.microsoft.com/office/powerpoint/2010/main" val="2729183743"/>
+      </p:ext>
+    </p:extLst>
   </p:cSld>
   <p:clrMapOvr>
     <a:masterClrMapping/>
@@ -5755,8 +5812,8 @@
         </p:nvSpPr>
         <p:spPr>
           <a:xfrm>
-            <a:off x="0" y="0"/>
-            <a:ext cx="9144000" cy="6858000"/>
+            <a:off x="76200" y="0"/>
+            <a:ext cx="11582400" cy="6858000"/>
           </a:xfrm>
         </p:spPr>
         <p:txBody>
@@ -5766,20 +5823,20 @@
           <a:lstStyle/>
           <a:p>
             <a:r>
-              <a:rPr lang="zh-TW" altLang="en-US" sz="6000" b="1" dirty="0" smtClean="0">
+              <a:rPr lang="zh-TW" altLang="en-US" sz="6000" b="1" dirty="0">
                 <a:latin typeface="微軟正黑體" pitchFamily="34" charset="-120"/>
                 <a:ea typeface="微軟正黑體" pitchFamily="34" charset="-120"/>
               </a:rPr>
               <a:t>使你們無可指摘，誠實無偽，在這彎曲悖謬的世代作神無瑕疵的兒女。你們顯在這世代中，好像明光照耀</a:t>
             </a:r>
             <a:r>
-              <a:rPr lang="zh-CN" altLang="en-US" sz="6000" b="1" dirty="0" smtClean="0">
+              <a:rPr lang="zh-CN" altLang="en-US" sz="6000" b="1" dirty="0">
                 <a:latin typeface="微軟正黑體" pitchFamily="34" charset="-120"/>
                 <a:ea typeface="微軟正黑體" pitchFamily="34" charset="-120"/>
               </a:rPr>
               <a:t>！</a:t>
             </a:r>
-            <a:endParaRPr lang="en-US" altLang="zh-TW" sz="6000" b="1" dirty="0" smtClean="0">
+            <a:endParaRPr lang="en-US" altLang="zh-TW" sz="6000" b="1" dirty="0">
               <a:latin typeface="微軟正黑體" pitchFamily="34" charset="-120"/>
               <a:ea typeface="微軟正黑體" pitchFamily="34" charset="-120"/>
             </a:endParaRPr>
@@ -5787,6 +5844,11 @@
         </p:txBody>
       </p:sp>
     </p:spTree>
+    <p:extLst>
+      <p:ext uri="{BB962C8B-B14F-4D97-AF65-F5344CB8AC3E}">
+        <p14:creationId xmlns:p14="http://schemas.microsoft.com/office/powerpoint/2010/main" val="390536312"/>
+      </p:ext>
+    </p:extLst>
   </p:cSld>
   <p:clrMapOvr>
     <a:masterClrMapping/>

--- a/74為鹽為光.pptx
+++ b/74為鹽為光.pptx
@@ -311,7 +311,7 @@
             <a:fld id="{74BC4726-2204-402F-8651-3DE2807316DF}" type="datetimeFigureOut">
               <a:rPr lang="en-US" smtClean="0"/>
               <a:pPr/>
-              <a:t>8/7/2020</a:t>
+              <a:t>7/13/2021</a:t>
             </a:fld>
             <a:endParaRPr lang="en-US"/>
           </a:p>
@@ -483,7 +483,7 @@
             <a:fld id="{74BC4726-2204-402F-8651-3DE2807316DF}" type="datetimeFigureOut">
               <a:rPr lang="en-US" smtClean="0"/>
               <a:pPr/>
-              <a:t>8/7/2020</a:t>
+              <a:t>7/13/2021</a:t>
             </a:fld>
             <a:endParaRPr lang="en-US"/>
           </a:p>
@@ -665,7 +665,7 @@
             <a:fld id="{74BC4726-2204-402F-8651-3DE2807316DF}" type="datetimeFigureOut">
               <a:rPr lang="en-US" smtClean="0"/>
               <a:pPr/>
-              <a:t>8/7/2020</a:t>
+              <a:t>7/13/2021</a:t>
             </a:fld>
             <a:endParaRPr lang="en-US"/>
           </a:p>
@@ -837,7 +837,7 @@
             <a:fld id="{74BC4726-2204-402F-8651-3DE2807316DF}" type="datetimeFigureOut">
               <a:rPr lang="en-US" smtClean="0"/>
               <a:pPr/>
-              <a:t>8/7/2020</a:t>
+              <a:t>7/13/2021</a:t>
             </a:fld>
             <a:endParaRPr lang="en-US"/>
           </a:p>
@@ -1085,7 +1085,7 @@
             <a:fld id="{74BC4726-2204-402F-8651-3DE2807316DF}" type="datetimeFigureOut">
               <a:rPr lang="en-US" smtClean="0"/>
               <a:pPr/>
-              <a:t>8/7/2020</a:t>
+              <a:t>7/13/2021</a:t>
             </a:fld>
             <a:endParaRPr lang="en-US"/>
           </a:p>
@@ -1375,7 +1375,7 @@
             <a:fld id="{74BC4726-2204-402F-8651-3DE2807316DF}" type="datetimeFigureOut">
               <a:rPr lang="en-US" smtClean="0"/>
               <a:pPr/>
-              <a:t>8/7/2020</a:t>
+              <a:t>7/13/2021</a:t>
             </a:fld>
             <a:endParaRPr lang="en-US"/>
           </a:p>
@@ -1799,7 +1799,7 @@
             <a:fld id="{74BC4726-2204-402F-8651-3DE2807316DF}" type="datetimeFigureOut">
               <a:rPr lang="en-US" smtClean="0"/>
               <a:pPr/>
-              <a:t>8/7/2020</a:t>
+              <a:t>7/13/2021</a:t>
             </a:fld>
             <a:endParaRPr lang="en-US"/>
           </a:p>
@@ -1919,7 +1919,7 @@
             <a:fld id="{74BC4726-2204-402F-8651-3DE2807316DF}" type="datetimeFigureOut">
               <a:rPr lang="en-US" smtClean="0"/>
               <a:pPr/>
-              <a:t>8/7/2020</a:t>
+              <a:t>7/13/2021</a:t>
             </a:fld>
             <a:endParaRPr lang="en-US"/>
           </a:p>
@@ -2016,7 +2016,7 @@
             <a:fld id="{74BC4726-2204-402F-8651-3DE2807316DF}" type="datetimeFigureOut">
               <a:rPr lang="en-US" smtClean="0"/>
               <a:pPr/>
-              <a:t>8/7/2020</a:t>
+              <a:t>7/13/2021</a:t>
             </a:fld>
             <a:endParaRPr lang="en-US"/>
           </a:p>
@@ -2295,7 +2295,7 @@
             <a:fld id="{74BC4726-2204-402F-8651-3DE2807316DF}" type="datetimeFigureOut">
               <a:rPr lang="en-US" smtClean="0"/>
               <a:pPr/>
-              <a:t>8/7/2020</a:t>
+              <a:t>7/13/2021</a:t>
             </a:fld>
             <a:endParaRPr lang="en-US"/>
           </a:p>
@@ -2554,7 +2554,7 @@
             <a:fld id="{74BC4726-2204-402F-8651-3DE2807316DF}" type="datetimeFigureOut">
               <a:rPr lang="en-US" smtClean="0"/>
               <a:pPr/>
-              <a:t>8/7/2020</a:t>
+              <a:t>7/13/2021</a:t>
             </a:fld>
             <a:endParaRPr lang="en-US"/>
           </a:p>
@@ -2774,7 +2774,7 @@
             <a:fld id="{74BC4726-2204-402F-8651-3DE2807316DF}" type="datetimeFigureOut">
               <a:rPr lang="en-US" smtClean="0"/>
               <a:pPr/>
-              <a:t>8/7/2020</a:t>
+              <a:t>7/13/2021</a:t>
             </a:fld>
             <a:endParaRPr lang="en-US"/>
           </a:p>
@@ -3219,6 +3219,26 @@
           <a:lstStyle/>
           <a:p>
             <a:r>
+              <a:rPr lang="zh-CN" altLang="en-US" b="1" dirty="0" smtClean="0">
+                <a:solidFill>
+                  <a:srgbClr val="000066"/>
+                </a:solidFill>
+                <a:latin typeface="微軟正黑體" pitchFamily="34" charset="-120"/>
+                <a:ea typeface="微軟正黑體" pitchFamily="34" charset="-120"/>
+              </a:rPr>
+              <a:t>太  </a:t>
+            </a:r>
+            <a:r>
+              <a:rPr lang="en-US" altLang="zh-CN" b="1" dirty="0" smtClean="0">
+                <a:solidFill>
+                  <a:srgbClr val="000066"/>
+                </a:solidFill>
+                <a:latin typeface="微軟正黑體" pitchFamily="34" charset="-120"/>
+                <a:ea typeface="微軟正黑體" pitchFamily="34" charset="-120"/>
+              </a:rPr>
+              <a:t>5</a:t>
+            </a:r>
+            <a:r>
               <a:rPr lang="zh-CN" altLang="en-US" b="1" dirty="0">
                 <a:solidFill>
                   <a:srgbClr val="000066"/>
@@ -3226,7 +3246,49 @@
                 <a:latin typeface="微軟正黑體" pitchFamily="34" charset="-120"/>
                 <a:ea typeface="微軟正黑體" pitchFamily="34" charset="-120"/>
               </a:rPr>
-              <a:t>太</a:t>
+              <a:t>：</a:t>
+            </a:r>
+            <a:r>
+              <a:rPr lang="en-US" altLang="zh-CN" b="1" dirty="0" smtClean="0">
+                <a:solidFill>
+                  <a:srgbClr val="000066"/>
+                </a:solidFill>
+                <a:latin typeface="微軟正黑體" pitchFamily="34" charset="-120"/>
+                <a:ea typeface="微軟正黑體" pitchFamily="34" charset="-120"/>
+              </a:rPr>
+              <a:t>13-16</a:t>
+            </a:r>
+          </a:p>
+          <a:p>
+            <a:r>
+              <a:rPr lang="zh-CN" altLang="en-US" b="1" dirty="0" smtClean="0">
+                <a:solidFill>
+                  <a:srgbClr val="000066"/>
+                </a:solidFill>
+                <a:latin typeface="微軟正黑體" pitchFamily="34" charset="-120"/>
+                <a:ea typeface="微軟正黑體" pitchFamily="34" charset="-120"/>
+              </a:rPr>
+              <a:t>羅  </a:t>
+            </a:r>
+            <a:r>
+              <a:rPr lang="en-US" altLang="zh-CN" b="1" dirty="0" smtClean="0">
+                <a:solidFill>
+                  <a:srgbClr val="000066"/>
+                </a:solidFill>
+                <a:latin typeface="微軟正黑體" pitchFamily="34" charset="-120"/>
+                <a:ea typeface="微軟正黑體" pitchFamily="34" charset="-120"/>
+              </a:rPr>
+              <a:t>14</a:t>
+            </a:r>
+            <a:r>
+              <a:rPr lang="zh-CN" altLang="en-US" b="1" dirty="0">
+                <a:solidFill>
+                  <a:srgbClr val="000066"/>
+                </a:solidFill>
+                <a:latin typeface="微軟正黑體" pitchFamily="34" charset="-120"/>
+                <a:ea typeface="微軟正黑體" pitchFamily="34" charset="-120"/>
+              </a:rPr>
+              <a:t>：</a:t>
             </a:r>
             <a:r>
               <a:rPr lang="en-US" altLang="zh-CN" b="1" dirty="0">
@@ -3236,7 +3298,7 @@
                 <a:latin typeface="微軟正黑體" pitchFamily="34" charset="-120"/>
                 <a:ea typeface="微軟正黑體" pitchFamily="34" charset="-120"/>
               </a:rPr>
-              <a:t>5</a:t>
+              <a:t>7-8</a:t>
             </a:r>
             <a:r>
               <a:rPr lang="zh-CN" altLang="en-US" b="1" dirty="0">
@@ -3246,6 +3308,46 @@
                 <a:latin typeface="微軟正黑體" pitchFamily="34" charset="-120"/>
                 <a:ea typeface="微軟正黑體" pitchFamily="34" charset="-120"/>
               </a:rPr>
+              <a:t>，</a:t>
+            </a:r>
+            <a:r>
+              <a:rPr lang="en-US" altLang="zh-CN" b="1" dirty="0">
+                <a:solidFill>
+                  <a:srgbClr val="000066"/>
+                </a:solidFill>
+                <a:latin typeface="微軟正黑體" pitchFamily="34" charset="-120"/>
+                <a:ea typeface="微軟正黑體" pitchFamily="34" charset="-120"/>
+              </a:rPr>
+              <a:t>16-17</a:t>
+            </a:r>
+            <a:r>
+              <a:rPr lang="zh-CN" altLang="en-US" b="1" dirty="0">
+                <a:solidFill>
+                  <a:srgbClr val="000066"/>
+                </a:solidFill>
+                <a:latin typeface="微軟正黑體" pitchFamily="34" charset="-120"/>
+                <a:ea typeface="微軟正黑體" pitchFamily="34" charset="-120"/>
+              </a:rPr>
+              <a:t>；</a:t>
+            </a:r>
+            <a:r>
+              <a:rPr lang="en-US" altLang="zh-CN" b="1" dirty="0">
+                <a:solidFill>
+                  <a:srgbClr val="000066"/>
+                </a:solidFill>
+                <a:latin typeface="微軟正黑體" pitchFamily="34" charset="-120"/>
+                <a:ea typeface="微軟正黑體" pitchFamily="34" charset="-120"/>
+              </a:rPr>
+              <a:t>13</a:t>
+            </a:r>
+            <a:r>
+              <a:rPr lang="zh-CN" altLang="en-US" b="1" dirty="0">
+                <a:solidFill>
+                  <a:srgbClr val="000066"/>
+                </a:solidFill>
+                <a:latin typeface="微軟正黑體" pitchFamily="34" charset="-120"/>
+                <a:ea typeface="微軟正黑體" pitchFamily="34" charset="-120"/>
+              </a:rPr>
               <a:t>：</a:t>
             </a:r>
             <a:r>
@@ -3256,124 +3358,22 @@
                 <a:latin typeface="微軟正黑體" pitchFamily="34" charset="-120"/>
                 <a:ea typeface="微軟正黑體" pitchFamily="34" charset="-120"/>
               </a:rPr>
-              <a:t>13-16</a:t>
-            </a:r>
-          </a:p>
-          <a:p>
-            <a:r>
-              <a:rPr lang="zh-CN" altLang="en-US" b="1" dirty="0" smtClean="0">
+              <a:t>11-14</a:t>
+            </a:r>
+          </a:p>
+          <a:p>
+            <a:r>
+              <a:rPr lang="zh-CN" altLang="en-US" b="1" smtClean="0">
                 <a:solidFill>
                   <a:srgbClr val="000066"/>
                 </a:solidFill>
                 <a:latin typeface="微軟正黑體" pitchFamily="34" charset="-120"/>
                 <a:ea typeface="微軟正黑體" pitchFamily="34" charset="-120"/>
               </a:rPr>
-              <a:t>羅</a:t>
-            </a:r>
-            <a:r>
-              <a:rPr lang="en-US" altLang="zh-CN" b="1" dirty="0">
-                <a:solidFill>
-                  <a:srgbClr val="000066"/>
-                </a:solidFill>
-                <a:latin typeface="微軟正黑體" pitchFamily="34" charset="-120"/>
-                <a:ea typeface="微軟正黑體" pitchFamily="34" charset="-120"/>
-              </a:rPr>
-              <a:t>14</a:t>
-            </a:r>
-            <a:r>
-              <a:rPr lang="zh-CN" altLang="en-US" b="1" dirty="0">
-                <a:solidFill>
-                  <a:srgbClr val="000066"/>
-                </a:solidFill>
-                <a:latin typeface="微軟正黑體" pitchFamily="34" charset="-120"/>
-                <a:ea typeface="微軟正黑體" pitchFamily="34" charset="-120"/>
-              </a:rPr>
-              <a:t>：</a:t>
-            </a:r>
-            <a:r>
-              <a:rPr lang="en-US" altLang="zh-CN" b="1" dirty="0">
-                <a:solidFill>
-                  <a:srgbClr val="000066"/>
-                </a:solidFill>
-                <a:latin typeface="微軟正黑體" pitchFamily="34" charset="-120"/>
-                <a:ea typeface="微軟正黑體" pitchFamily="34" charset="-120"/>
-              </a:rPr>
-              <a:t>7-8</a:t>
-            </a:r>
-            <a:r>
-              <a:rPr lang="zh-CN" altLang="en-US" b="1" dirty="0">
-                <a:solidFill>
-                  <a:srgbClr val="000066"/>
-                </a:solidFill>
-                <a:latin typeface="微軟正黑體" pitchFamily="34" charset="-120"/>
-                <a:ea typeface="微軟正黑體" pitchFamily="34" charset="-120"/>
-              </a:rPr>
-              <a:t>，</a:t>
-            </a:r>
-            <a:r>
-              <a:rPr lang="en-US" altLang="zh-CN" b="1" dirty="0">
-                <a:solidFill>
-                  <a:srgbClr val="000066"/>
-                </a:solidFill>
-                <a:latin typeface="微軟正黑體" pitchFamily="34" charset="-120"/>
-                <a:ea typeface="微軟正黑體" pitchFamily="34" charset="-120"/>
-              </a:rPr>
-              <a:t>16-17</a:t>
-            </a:r>
-            <a:r>
-              <a:rPr lang="zh-CN" altLang="en-US" b="1" dirty="0">
-                <a:solidFill>
-                  <a:srgbClr val="000066"/>
-                </a:solidFill>
-                <a:latin typeface="微軟正黑體" pitchFamily="34" charset="-120"/>
-                <a:ea typeface="微軟正黑體" pitchFamily="34" charset="-120"/>
-              </a:rPr>
-              <a:t>；</a:t>
-            </a:r>
-            <a:r>
-              <a:rPr lang="en-US" altLang="zh-CN" b="1" dirty="0">
-                <a:solidFill>
-                  <a:srgbClr val="000066"/>
-                </a:solidFill>
-                <a:latin typeface="微軟正黑體" pitchFamily="34" charset="-120"/>
-                <a:ea typeface="微軟正黑體" pitchFamily="34" charset="-120"/>
-              </a:rPr>
-              <a:t>13</a:t>
-            </a:r>
-            <a:r>
-              <a:rPr lang="zh-CN" altLang="en-US" b="1" dirty="0">
-                <a:solidFill>
-                  <a:srgbClr val="000066"/>
-                </a:solidFill>
-                <a:latin typeface="微軟正黑體" pitchFamily="34" charset="-120"/>
-                <a:ea typeface="微軟正黑體" pitchFamily="34" charset="-120"/>
-              </a:rPr>
-              <a:t>：</a:t>
-            </a:r>
-            <a:r>
-              <a:rPr lang="en-US" altLang="zh-CN" b="1" dirty="0" smtClean="0">
-                <a:solidFill>
-                  <a:srgbClr val="000066"/>
-                </a:solidFill>
-                <a:latin typeface="微軟正黑體" pitchFamily="34" charset="-120"/>
-                <a:ea typeface="微軟正黑體" pitchFamily="34" charset="-120"/>
-              </a:rPr>
-              <a:t>11-14</a:t>
-            </a:r>
-          </a:p>
-          <a:p>
-            <a:r>
-              <a:rPr lang="zh-CN" altLang="en-US" b="1" dirty="0" smtClean="0">
-                <a:solidFill>
-                  <a:srgbClr val="000066"/>
-                </a:solidFill>
-                <a:latin typeface="微軟正黑體" pitchFamily="34" charset="-120"/>
-                <a:ea typeface="微軟正黑體" pitchFamily="34" charset="-120"/>
-              </a:rPr>
-              <a:t>腓</a:t>
-            </a:r>
-            <a:r>
-              <a:rPr lang="en-US" altLang="zh-CN" b="1" dirty="0">
+              <a:t>腓  </a:t>
+            </a:r>
+            <a:r>
+              <a:rPr lang="en-US" altLang="zh-CN" b="1" smtClean="0">
                 <a:solidFill>
                   <a:srgbClr val="000066"/>
                 </a:solidFill>
@@ -3599,10 +3599,6 @@
               </a:rPr>
               <a:t> </a:t>
             </a:r>
-            <a:endParaRPr lang="en-US" altLang="zh-TW" sz="6600" b="1" dirty="0">
-              <a:latin typeface="微軟正黑體" pitchFamily="34" charset="-120"/>
-              <a:ea typeface="微軟正黑體" pitchFamily="34" charset="-120"/>
-            </a:endParaRPr>
           </a:p>
         </p:txBody>
       </p:sp>
